--- a/src/main/resources/ChatApp Final.pptx
+++ b/src/main/resources/ChatApp Final.pptx
@@ -849,7 +849,7 @@
           <a:p>
             <a:fld id="{1388CE8F-C105-436C-98E6-F477B4A62BDF}" type="datetimeFigureOut">
               <a:rPr lang="en-US" smtClean="0"/>
-              <a:t>11/27/2018</a:t>
+              <a:t>11/28/2018</a:t>
             </a:fld>
             <a:endParaRPr lang="en-US"/>
           </a:p>
@@ -1100,7 +1100,7 @@
           <a:p>
             <a:fld id="{1388CE8F-C105-436C-98E6-F477B4A62BDF}" type="datetimeFigureOut">
               <a:rPr lang="en-US" smtClean="0"/>
-              <a:t>11/27/2018</a:t>
+              <a:t>11/28/2018</a:t>
             </a:fld>
             <a:endParaRPr lang="en-US"/>
           </a:p>
@@ -1414,7 +1414,7 @@
           <a:p>
             <a:fld id="{1388CE8F-C105-436C-98E6-F477B4A62BDF}" type="datetimeFigureOut">
               <a:rPr lang="en-US" smtClean="0"/>
-              <a:t>11/27/2018</a:t>
+              <a:t>11/28/2018</a:t>
             </a:fld>
             <a:endParaRPr lang="en-US"/>
           </a:p>
@@ -1755,7 +1755,7 @@
           <a:p>
             <a:fld id="{1388CE8F-C105-436C-98E6-F477B4A62BDF}" type="datetimeFigureOut">
               <a:rPr lang="en-US" smtClean="0"/>
-              <a:t>11/27/2018</a:t>
+              <a:t>11/28/2018</a:t>
             </a:fld>
             <a:endParaRPr lang="en-US"/>
           </a:p>
@@ -2069,7 +2069,7 @@
           <a:p>
             <a:fld id="{1388CE8F-C105-436C-98E6-F477B4A62BDF}" type="datetimeFigureOut">
               <a:rPr lang="en-US" smtClean="0"/>
-              <a:t>11/27/2018</a:t>
+              <a:t>11/28/2018</a:t>
             </a:fld>
             <a:endParaRPr lang="en-US"/>
           </a:p>
@@ -2462,7 +2462,7 @@
           <a:p>
             <a:fld id="{1388CE8F-C105-436C-98E6-F477B4A62BDF}" type="datetimeFigureOut">
               <a:rPr lang="en-US" smtClean="0"/>
-              <a:t>11/27/2018</a:t>
+              <a:t>11/28/2018</a:t>
             </a:fld>
             <a:endParaRPr lang="en-US"/>
           </a:p>
@@ -2632,7 +2632,7 @@
           <a:p>
             <a:fld id="{1388CE8F-C105-436C-98E6-F477B4A62BDF}" type="datetimeFigureOut">
               <a:rPr lang="en-US" smtClean="0"/>
-              <a:t>11/27/2018</a:t>
+              <a:t>11/28/2018</a:t>
             </a:fld>
             <a:endParaRPr lang="en-US"/>
           </a:p>
@@ -2812,7 +2812,7 @@
           <a:p>
             <a:fld id="{1388CE8F-C105-436C-98E6-F477B4A62BDF}" type="datetimeFigureOut">
               <a:rPr lang="en-US" smtClean="0"/>
-              <a:t>11/27/2018</a:t>
+              <a:t>11/28/2018</a:t>
             </a:fld>
             <a:endParaRPr lang="en-US"/>
           </a:p>
@@ -2988,7 +2988,7 @@
           <a:p>
             <a:fld id="{1388CE8F-C105-436C-98E6-F477B4A62BDF}" type="datetimeFigureOut">
               <a:rPr lang="en-US" smtClean="0"/>
-              <a:t>11/27/2018</a:t>
+              <a:t>11/28/2018</a:t>
             </a:fld>
             <a:endParaRPr lang="en-US"/>
           </a:p>
@@ -3235,7 +3235,7 @@
           <a:p>
             <a:fld id="{1388CE8F-C105-436C-98E6-F477B4A62BDF}" type="datetimeFigureOut">
               <a:rPr lang="en-US" smtClean="0"/>
-              <a:t>11/27/2018</a:t>
+              <a:t>11/28/2018</a:t>
             </a:fld>
             <a:endParaRPr lang="en-US"/>
           </a:p>
@@ -3467,7 +3467,7 @@
           <a:p>
             <a:fld id="{1388CE8F-C105-436C-98E6-F477B4A62BDF}" type="datetimeFigureOut">
               <a:rPr lang="en-US" smtClean="0"/>
-              <a:t>11/27/2018</a:t>
+              <a:t>11/28/2018</a:t>
             </a:fld>
             <a:endParaRPr lang="en-US"/>
           </a:p>
@@ -3841,7 +3841,7 @@
           <a:p>
             <a:fld id="{1388CE8F-C105-436C-98E6-F477B4A62BDF}" type="datetimeFigureOut">
               <a:rPr lang="en-US" smtClean="0"/>
-              <a:t>11/27/2018</a:t>
+              <a:t>11/28/2018</a:t>
             </a:fld>
             <a:endParaRPr lang="en-US"/>
           </a:p>
@@ -3964,7 +3964,7 @@
           <a:p>
             <a:fld id="{1388CE8F-C105-436C-98E6-F477B4A62BDF}" type="datetimeFigureOut">
               <a:rPr lang="en-US" smtClean="0"/>
-              <a:t>11/27/2018</a:t>
+              <a:t>11/28/2018</a:t>
             </a:fld>
             <a:endParaRPr lang="en-US"/>
           </a:p>
@@ -4059,7 +4059,7 @@
           <a:p>
             <a:fld id="{1388CE8F-C105-436C-98E6-F477B4A62BDF}" type="datetimeFigureOut">
               <a:rPr lang="en-US" smtClean="0"/>
-              <a:t>11/27/2018</a:t>
+              <a:t>11/28/2018</a:t>
             </a:fld>
             <a:endParaRPr lang="en-US"/>
           </a:p>
@@ -4314,7 +4314,7 @@
           <a:p>
             <a:fld id="{1388CE8F-C105-436C-98E6-F477B4A62BDF}" type="datetimeFigureOut">
               <a:rPr lang="en-US" smtClean="0"/>
-              <a:t>11/27/2018</a:t>
+              <a:t>11/28/2018</a:t>
             </a:fld>
             <a:endParaRPr lang="en-US"/>
           </a:p>
@@ -4577,7 +4577,7 @@
           <a:p>
             <a:fld id="{1388CE8F-C105-436C-98E6-F477B4A62BDF}" type="datetimeFigureOut">
               <a:rPr lang="en-US" smtClean="0"/>
-              <a:t>11/27/2018</a:t>
+              <a:t>11/28/2018</a:t>
             </a:fld>
             <a:endParaRPr lang="en-US"/>
           </a:p>
@@ -5320,7 +5320,7 @@
           <a:p>
             <a:fld id="{1388CE8F-C105-436C-98E6-F477B4A62BDF}" type="datetimeFigureOut">
               <a:rPr lang="en-US" smtClean="0"/>
-              <a:t>11/27/2018</a:t>
+              <a:t>11/28/2018</a:t>
             </a:fld>
             <a:endParaRPr lang="en-US"/>
           </a:p>
@@ -8915,6 +8915,36 @@
           <a:chExt cx="0" cy="0"/>
         </a:xfrm>
       </p:grpSpPr>
+      <p:pic>
+        <p:nvPicPr>
+          <p:cNvPr id="9" name="图片 8">
+            <a:extLst>
+              <a:ext uri="{FF2B5EF4-FFF2-40B4-BE49-F238E27FC236}">
+                <a16:creationId xmlns:a16="http://schemas.microsoft.com/office/drawing/2014/main" id="{3A16EA4C-4130-4CC1-A883-78AA75757377}"/>
+              </a:ext>
+            </a:extLst>
+          </p:cNvPr>
+          <p:cNvPicPr>
+            <a:picLocks noChangeAspect="1"/>
+          </p:cNvPicPr>
+          <p:nvPr/>
+        </p:nvPicPr>
+        <p:blipFill>
+          <a:blip r:embed="rId2"/>
+          <a:stretch>
+            <a:fillRect/>
+          </a:stretch>
+        </p:blipFill>
+        <p:spPr>
+          <a:xfrm>
+            <a:off x="658284" y="4974073"/>
+            <a:ext cx="9753600" cy="1300480"/>
+          </a:xfrm>
+          <a:prstGeom prst="rect">
+            <a:avLst/>
+          </a:prstGeom>
+        </p:spPr>
+      </p:pic>
       <p:sp>
         <p:nvSpPr>
           <p:cNvPr id="2" name="标题 1">
@@ -8998,36 +9028,6 @@
           <p:nvPr/>
         </p:nvPicPr>
         <p:blipFill>
-          <a:blip r:embed="rId2"/>
-          <a:stretch>
-            <a:fillRect/>
-          </a:stretch>
-        </p:blipFill>
-        <p:spPr>
-          <a:xfrm>
-            <a:off x="677334" y="2184106"/>
-            <a:ext cx="9753600" cy="2009775"/>
-          </a:xfrm>
-          <a:prstGeom prst="rect">
-            <a:avLst/>
-          </a:prstGeom>
-        </p:spPr>
-      </p:pic>
-      <p:pic>
-        <p:nvPicPr>
-          <p:cNvPr id="5" name="图片 4">
-            <a:extLst>
-              <a:ext uri="{FF2B5EF4-FFF2-40B4-BE49-F238E27FC236}">
-                <a16:creationId xmlns:a16="http://schemas.microsoft.com/office/drawing/2014/main" id="{6C5B6B57-6B85-435C-9414-C6107B5F21E4}"/>
-              </a:ext>
-            </a:extLst>
-          </p:cNvPr>
-          <p:cNvPicPr>
-            <a:picLocks noChangeAspect="1"/>
-          </p:cNvPicPr>
-          <p:nvPr/>
-        </p:nvPicPr>
-        <p:blipFill>
           <a:blip r:embed="rId3"/>
           <a:stretch>
             <a:fillRect/>
@@ -9035,8 +9035,8 @@
         </p:blipFill>
         <p:spPr>
           <a:xfrm>
-            <a:off x="658284" y="4927599"/>
-            <a:ext cx="9772650" cy="1485900"/>
+            <a:off x="677334" y="2184106"/>
+            <a:ext cx="9753600" cy="2009775"/>
           </a:xfrm>
           <a:prstGeom prst="rect">
             <a:avLst/>
@@ -9178,6 +9178,58 @@
           <a:xfrm>
             <a:off x="715759" y="5380892"/>
             <a:ext cx="1376809" cy="468470"/>
+          </a:xfrm>
+          <a:prstGeom prst="rect">
+            <a:avLst/>
+          </a:prstGeom>
+          <a:noFill/>
+          <a:ln w="38100">
+            <a:solidFill>
+              <a:srgbClr val="FF0000"/>
+            </a:solidFill>
+          </a:ln>
+        </p:spPr>
+        <p:style>
+          <a:lnRef idx="2">
+            <a:schemeClr val="accent1">
+              <a:shade val="50000"/>
+            </a:schemeClr>
+          </a:lnRef>
+          <a:fillRef idx="1">
+            <a:schemeClr val="accent1"/>
+          </a:fillRef>
+          <a:effectRef idx="0">
+            <a:schemeClr val="accent1"/>
+          </a:effectRef>
+          <a:fontRef idx="minor">
+            <a:schemeClr val="lt1"/>
+          </a:fontRef>
+        </p:style>
+        <p:txBody>
+          <a:bodyPr rtlCol="0" anchor="ctr"/>
+          <a:lstStyle/>
+          <a:p>
+            <a:pPr algn="ctr"/>
+            <a:endParaRPr lang="en-US"/>
+          </a:p>
+        </p:txBody>
+      </p:sp>
+      <p:sp>
+        <p:nvSpPr>
+          <p:cNvPr id="14" name="矩形 13">
+            <a:extLst>
+              <a:ext uri="{FF2B5EF4-FFF2-40B4-BE49-F238E27FC236}">
+                <a16:creationId xmlns:a16="http://schemas.microsoft.com/office/drawing/2014/main" id="{05F5565B-9F2B-4917-ABCF-C608774124C7}"/>
+              </a:ext>
+            </a:extLst>
+          </p:cNvPr>
+          <p:cNvSpPr/>
+          <p:nvPr/>
+        </p:nvSpPr>
+        <p:spPr>
+          <a:xfrm>
+            <a:off x="4268213" y="4988558"/>
+            <a:ext cx="3064572" cy="377091"/>
           </a:xfrm>
           <a:prstGeom prst="rect">
             <a:avLst/>
